--- a/material/create_summary/pdf/Test1/a/20221205/本田健之_20221205.pptx
+++ b/material/create_summary/pdf/Test1/a/20221205/本田健之_20221205.pptx
@@ -203,7 +203,7 @@
           <a:p>
             <a:fld id="{A8D419FE-C60C-4E24-8B4C-1AF8859A1D1C}" type="datetimeFigureOut">
               <a:rPr kumimoji="1" lang="ja-JP" altLang="en-US" smtClean="0"/>
-              <a:t>2022/12/11</a:t>
+              <a:t>2022/12/12</a:t>
             </a:fld>
             <a:endParaRPr kumimoji="1" lang="ja-JP" altLang="en-US"/>
           </a:p>
@@ -726,9 +726,9 @@
           <a:bodyPr/>
           <a:lstStyle/>
           <a:p>
-            <a:fld id="{26E5E938-EB1B-4C51-9BC0-AFBE9261FEE5}" type="datetime1">
+            <a:fld id="{7963811A-C116-4955-99A6-2E4B3177CE06}" type="datetime1">
               <a:rPr kumimoji="1" lang="ja-JP" altLang="en-US" smtClean="0"/>
-              <a:t>2022/12/11</a:t>
+              <a:t>2022/12/12</a:t>
             </a:fld>
             <a:endParaRPr kumimoji="1" lang="ja-JP" altLang="en-US"/>
           </a:p>
@@ -751,10 +751,8 @@
           <a:p>
             <a:r>
               <a:rPr kumimoji="1" lang="en-US" altLang="ja-JP"/>
-              <a:t>Precision Mechatronics Systems Laboratory</a:t>
-            </a:r>
-          </a:p>
-          <a:p>
+              <a:t>Test1</a:t>
+            </a:r>
             <a:endParaRPr kumimoji="1" lang="ja-JP" altLang="en-US" dirty="0"/>
           </a:p>
         </p:txBody>
@@ -977,9 +975,9 @@
           <a:bodyPr/>
           <a:lstStyle/>
           <a:p>
-            <a:fld id="{A0FE27A5-F631-44AF-B529-98F2BF2D8A02}" type="datetime1">
+            <a:fld id="{E41F24BE-1904-4B16-BA60-DAEA99780F7C}" type="datetime1">
               <a:rPr kumimoji="1" lang="ja-JP" altLang="en-US" smtClean="0"/>
-              <a:t>2022/12/11</a:t>
+              <a:t>2022/12/12</a:t>
             </a:fld>
             <a:endParaRPr kumimoji="1" lang="ja-JP" altLang="en-US"/>
           </a:p>
@@ -1002,10 +1000,8 @@
           <a:p>
             <a:r>
               <a:rPr kumimoji="1" lang="en-US" altLang="ja-JP"/>
-              <a:t>Precision Mechatronics Systems Laboratory</a:t>
-            </a:r>
-          </a:p>
-          <a:p>
+              <a:t>Test1</a:t>
+            </a:r>
             <a:endParaRPr kumimoji="1" lang="ja-JP" altLang="en-US" dirty="0"/>
           </a:p>
         </p:txBody>
@@ -1272,9 +1268,9 @@
           <a:bodyPr/>
           <a:lstStyle/>
           <a:p>
-            <a:fld id="{233207AB-1FFA-411B-8CB7-1BDE9575E18C}" type="datetime1">
+            <a:fld id="{48499A0B-F66C-416B-B2DD-4E68170078FF}" type="datetime1">
               <a:rPr kumimoji="1" lang="ja-JP" altLang="en-US" smtClean="0"/>
-              <a:t>2022/12/11</a:t>
+              <a:t>2022/12/12</a:t>
             </a:fld>
             <a:endParaRPr kumimoji="1" lang="ja-JP" altLang="en-US"/>
           </a:p>
@@ -1297,10 +1293,8 @@
           <a:p>
             <a:r>
               <a:rPr kumimoji="1" lang="en-US" altLang="ja-JP"/>
-              <a:t>Precision Mechatronics Systems Laboratory</a:t>
-            </a:r>
-          </a:p>
-          <a:p>
+              <a:t>Test1</a:t>
+            </a:r>
             <a:endParaRPr kumimoji="1" lang="ja-JP" altLang="en-US" dirty="0"/>
           </a:p>
         </p:txBody>
@@ -1499,9 +1493,9 @@
           <a:bodyPr/>
           <a:lstStyle/>
           <a:p>
-            <a:fld id="{3C43DD58-5E44-4F0A-9FB6-4861AE2D33D8}" type="datetime1">
+            <a:fld id="{119EEE7D-5236-44A6-9521-17EDC63C9B01}" type="datetime1">
               <a:rPr kumimoji="1" lang="ja-JP" altLang="en-US" smtClean="0"/>
-              <a:t>2022/12/11</a:t>
+              <a:t>2022/12/12</a:t>
             </a:fld>
             <a:endParaRPr kumimoji="1" lang="ja-JP" altLang="en-US"/>
           </a:p>
@@ -1524,10 +1518,8 @@
           <a:p>
             <a:r>
               <a:rPr kumimoji="1" lang="en-US" altLang="ja-JP"/>
-              <a:t>Precision Mechatronics Systems Laboratory</a:t>
-            </a:r>
-          </a:p>
-          <a:p>
+              <a:t>Test1</a:t>
+            </a:r>
             <a:endParaRPr kumimoji="1" lang="ja-JP" altLang="en-US" dirty="0"/>
           </a:p>
         </p:txBody>
@@ -1849,9 +1841,9 @@
           <a:bodyPr/>
           <a:lstStyle/>
           <a:p>
-            <a:fld id="{4454EA31-3960-45BB-8DED-9CED9FA023E3}" type="datetime1">
+            <a:fld id="{5809CD90-2881-45E8-AB30-00E06D2BF041}" type="datetime1">
               <a:rPr kumimoji="1" lang="ja-JP" altLang="en-US" smtClean="0"/>
-              <a:t>2022/12/11</a:t>
+              <a:t>2022/12/12</a:t>
             </a:fld>
             <a:endParaRPr kumimoji="1" lang="ja-JP" altLang="en-US"/>
           </a:p>
@@ -1874,10 +1866,8 @@
           <a:p>
             <a:r>
               <a:rPr kumimoji="1" lang="en-US" altLang="ja-JP"/>
-              <a:t>Precision Mechatronics Systems Laboratory</a:t>
-            </a:r>
-          </a:p>
-          <a:p>
+              <a:t>Test1</a:t>
+            </a:r>
             <a:endParaRPr kumimoji="1" lang="ja-JP" altLang="en-US" dirty="0"/>
           </a:p>
         </p:txBody>
@@ -2195,9 +2185,9 @@
           <a:bodyPr/>
           <a:lstStyle/>
           <a:p>
-            <a:fld id="{F8819406-D2EF-430C-BD02-0E24BF37C6DF}" type="datetime1">
+            <a:fld id="{DAD44AA5-F82E-47D6-8BCA-38DDCCB45238}" type="datetime1">
               <a:rPr kumimoji="1" lang="ja-JP" altLang="en-US" smtClean="0"/>
-              <a:t>2022/12/11</a:t>
+              <a:t>2022/12/12</a:t>
             </a:fld>
             <a:endParaRPr kumimoji="1" lang="ja-JP" altLang="en-US"/>
           </a:p>
@@ -2220,10 +2210,8 @@
           <a:p>
             <a:r>
               <a:rPr kumimoji="1" lang="en-US" altLang="ja-JP"/>
-              <a:t>Precision Mechatronics Systems Laboratory</a:t>
-            </a:r>
-          </a:p>
-          <a:p>
+              <a:t>Test1</a:t>
+            </a:r>
             <a:endParaRPr kumimoji="1" lang="ja-JP" altLang="en-US" dirty="0"/>
           </a:p>
         </p:txBody>
@@ -2645,9 +2633,9 @@
           <a:bodyPr/>
           <a:lstStyle/>
           <a:p>
-            <a:fld id="{AE355A88-06D4-4F0D-9535-CFCEA6E90834}" type="datetime1">
+            <a:fld id="{6CADB3BB-67F1-4B71-9B37-BA3E190E1E5A}" type="datetime1">
               <a:rPr kumimoji="1" lang="ja-JP" altLang="en-US" smtClean="0"/>
-              <a:t>2022/12/11</a:t>
+              <a:t>2022/12/12</a:t>
             </a:fld>
             <a:endParaRPr kumimoji="1" lang="ja-JP" altLang="en-US"/>
           </a:p>
@@ -2670,10 +2658,8 @@
           <a:p>
             <a:r>
               <a:rPr kumimoji="1" lang="en-US" altLang="ja-JP"/>
-              <a:t>Precision Mechatronics Systems Laboratory</a:t>
-            </a:r>
-          </a:p>
-          <a:p>
+              <a:t>Test1</a:t>
+            </a:r>
             <a:endParaRPr kumimoji="1" lang="ja-JP" altLang="en-US" dirty="0"/>
           </a:p>
         </p:txBody>
@@ -2770,9 +2756,9 @@
           <a:bodyPr/>
           <a:lstStyle/>
           <a:p>
-            <a:fld id="{C7EB837E-110F-4887-921A-D999AEBE860D}" type="datetime1">
+            <a:fld id="{2BFE673C-19D5-4FC7-B5CA-661E93B5D295}" type="datetime1">
               <a:rPr kumimoji="1" lang="ja-JP" altLang="en-US" smtClean="0"/>
-              <a:t>2022/12/11</a:t>
+              <a:t>2022/12/12</a:t>
             </a:fld>
             <a:endParaRPr kumimoji="1" lang="ja-JP" altLang="en-US"/>
           </a:p>
@@ -2795,10 +2781,8 @@
           <a:p>
             <a:r>
               <a:rPr kumimoji="1" lang="en-US" altLang="ja-JP"/>
-              <a:t>Precision Mechatronics Systems Laboratory</a:t>
-            </a:r>
-          </a:p>
-          <a:p>
+              <a:t>Test1</a:t>
+            </a:r>
             <a:endParaRPr kumimoji="1" lang="ja-JP" altLang="en-US" dirty="0"/>
           </a:p>
         </p:txBody>
@@ -2948,9 +2932,9 @@
           <a:bodyPr/>
           <a:lstStyle/>
           <a:p>
-            <a:fld id="{D923E8EA-E8E9-44E2-9AAA-C95DA90BC02B}" type="datetime1">
+            <a:fld id="{778E6DAC-13F6-4045-A2DF-4659EC0C09BC}" type="datetime1">
               <a:rPr kumimoji="1" lang="ja-JP" altLang="en-US" smtClean="0"/>
-              <a:t>2022/12/11</a:t>
+              <a:t>2022/12/12</a:t>
             </a:fld>
             <a:endParaRPr kumimoji="1" lang="ja-JP" altLang="en-US"/>
           </a:p>
@@ -2981,10 +2965,8 @@
           <a:p>
             <a:r>
               <a:rPr kumimoji="1" lang="en-US" altLang="ja-JP"/>
-              <a:t>Precision Mechatronics Systems Laboratory</a:t>
-            </a:r>
-          </a:p>
-          <a:p>
+              <a:t>Test1</a:t>
+            </a:r>
             <a:endParaRPr kumimoji="1" lang="ja-JP" altLang="en-US" dirty="0"/>
           </a:p>
         </p:txBody>
@@ -3341,9 +3323,9 @@
             </a:lvl1pPr>
           </a:lstStyle>
           <a:p>
-            <a:fld id="{30864409-F725-4558-88D0-73EA1B5EF065}" type="datetime1">
+            <a:fld id="{242890D6-FA57-447D-ABB4-0BB27EBAF176}" type="datetime1">
               <a:rPr kumimoji="1" lang="ja-JP" altLang="en-US" smtClean="0"/>
-              <a:t>2022/12/11</a:t>
+              <a:t>2022/12/12</a:t>
             </a:fld>
             <a:endParaRPr kumimoji="1" lang="ja-JP" altLang="en-US"/>
           </a:p>
@@ -3379,10 +3361,8 @@
           <a:p>
             <a:r>
               <a:rPr kumimoji="1" lang="en-US" altLang="ja-JP"/>
-              <a:t>Precision Mechatronics Systems Laboratory</a:t>
-            </a:r>
-          </a:p>
-          <a:p>
+              <a:t>Test1</a:t>
+            </a:r>
             <a:endParaRPr kumimoji="1" lang="ja-JP" altLang="en-US" dirty="0"/>
           </a:p>
         </p:txBody>
@@ -3725,9 +3705,9 @@
           <a:bodyPr/>
           <a:lstStyle/>
           <a:p>
-            <a:fld id="{EA61E452-CDC9-4F07-9A87-4280EDE323FF}" type="datetime1">
+            <a:fld id="{118D7F81-C195-478D-AD90-9E8F21C6BFAE}" type="datetime1">
               <a:rPr kumimoji="1" lang="ja-JP" altLang="en-US" smtClean="0"/>
-              <a:t>2022/12/11</a:t>
+              <a:t>2022/12/12</a:t>
             </a:fld>
             <a:endParaRPr kumimoji="1" lang="ja-JP" altLang="en-US"/>
           </a:p>
@@ -3750,10 +3730,8 @@
           <a:p>
             <a:r>
               <a:rPr kumimoji="1" lang="en-US" altLang="ja-JP"/>
-              <a:t>Precision Mechatronics Systems Laboratory</a:t>
-            </a:r>
-          </a:p>
-          <a:p>
+              <a:t>Test1</a:t>
+            </a:r>
             <a:endParaRPr kumimoji="1" lang="ja-JP" altLang="en-US" dirty="0"/>
           </a:p>
         </p:txBody>
@@ -4051,9 +4029,9 @@
             </a:lvl1pPr>
           </a:lstStyle>
           <a:p>
-            <a:fld id="{60FF1E76-C78C-471F-B92F-BF572AFBA7B0}" type="datetime1">
+            <a:fld id="{AEEAAD95-A635-4659-B550-E2E5F0F3230F}" type="datetime1">
               <a:rPr kumimoji="1" lang="ja-JP" altLang="en-US" smtClean="0"/>
-              <a:t>2022/12/11</a:t>
+              <a:t>2022/12/12</a:t>
             </a:fld>
             <a:endParaRPr kumimoji="1" lang="ja-JP" altLang="en-US"/>
           </a:p>
@@ -4092,10 +4070,8 @@
           <a:p>
             <a:r>
               <a:rPr kumimoji="1" lang="en-US" altLang="ja-JP"/>
-              <a:t>Precision Mechatronics Systems Laboratory</a:t>
-            </a:r>
-          </a:p>
-          <a:p>
+              <a:t>Test1</a:t>
+            </a:r>
             <a:endParaRPr kumimoji="1" lang="ja-JP" altLang="en-US" dirty="0"/>
           </a:p>
         </p:txBody>
@@ -4812,10 +4788,8 @@
           <a:p>
             <a:r>
               <a:rPr kumimoji="1" lang="en-US" altLang="ja-JP"/>
-              <a:t>Precision Mechatronics Systems Laboratory</a:t>
-            </a:r>
-          </a:p>
-          <a:p>
+              <a:t>Test1</a:t>
+            </a:r>
             <a:endParaRPr kumimoji="1" lang="ja-JP" altLang="en-US" dirty="0"/>
           </a:p>
         </p:txBody>
@@ -4961,10 +4935,8 @@
           <a:p>
             <a:r>
               <a:rPr kumimoji="1" lang="en-US" altLang="ja-JP"/>
-              <a:t>Precision Mechatronics Systems Laboratory</a:t>
-            </a:r>
-          </a:p>
-          <a:p>
+              <a:t>Test1</a:t>
+            </a:r>
             <a:endParaRPr kumimoji="1" lang="ja-JP" altLang="en-US" dirty="0"/>
           </a:p>
         </p:txBody>
@@ -5128,10 +5100,8 @@
           <a:p>
             <a:r>
               <a:rPr kumimoji="1" lang="en-US" altLang="ja-JP"/>
-              <a:t>Precision Mechatronics Systems Laboratory</a:t>
-            </a:r>
-          </a:p>
-          <a:p>
+              <a:t>Test1</a:t>
+            </a:r>
             <a:endParaRPr kumimoji="1" lang="ja-JP" altLang="en-US" dirty="0"/>
           </a:p>
         </p:txBody>
@@ -5276,10 +5246,8 @@
           <a:p>
             <a:r>
               <a:rPr kumimoji="1" lang="en-US" altLang="ja-JP"/>
-              <a:t>Precision Mechatronics Systems Laboratory</a:t>
-            </a:r>
-          </a:p>
-          <a:p>
+              <a:t>Test1</a:t>
+            </a:r>
             <a:endParaRPr kumimoji="1" lang="ja-JP" altLang="en-US" dirty="0"/>
           </a:p>
         </p:txBody>
@@ -5425,10 +5393,8 @@
           <a:p>
             <a:r>
               <a:rPr kumimoji="1" lang="en-US" altLang="ja-JP"/>
-              <a:t>Precision Mechatronics Systems Laboratory</a:t>
-            </a:r>
-          </a:p>
-          <a:p>
+              <a:t>Test1</a:t>
+            </a:r>
             <a:endParaRPr kumimoji="1" lang="ja-JP" altLang="en-US" dirty="0"/>
           </a:p>
         </p:txBody>
@@ -5574,10 +5540,8 @@
           <a:p>
             <a:r>
               <a:rPr kumimoji="1" lang="en-US" altLang="ja-JP"/>
-              <a:t>Precision Mechatronics Systems Laboratory</a:t>
-            </a:r>
-          </a:p>
-          <a:p>
+              <a:t>Test1</a:t>
+            </a:r>
             <a:endParaRPr kumimoji="1" lang="ja-JP" altLang="en-US" dirty="0"/>
           </a:p>
         </p:txBody>
